--- a/serverless-computing/Serverless Computing.pptx
+++ b/serverless-computing/Serverless Computing.pptx
@@ -123,6 +123,11 @@
       </a:defRPr>
     </a:lvl9pPr>
   </p:defaultTextStyle>
+  <p:extLst>
+    <p:ext uri="{EFAFB233-063F-42B5-8137-9DF3F51BA10A}">
+      <p15:sldGuideLst xmlns:p15="http://schemas.microsoft.com/office/powerpoint/2012/main"/>
+    </p:ext>
+  </p:extLst>
 </p:presentation>
 </file>
 
@@ -872,7 +877,7 @@
             <a:fld id="{B61BEF0D-F0BB-DE4B-95CE-6DB70DBA9567}" type="datetimeFigureOut">
               <a:rPr lang="en-US" dirty="0"/>
               <a:pPr/>
-              <a:t>3/22/2017</a:t>
+              <a:t>3/24/2017</a:t>
             </a:fld>
             <a:endParaRPr lang="en-US" dirty="0"/>
           </a:p>
@@ -1120,7 +1125,7 @@
             <a:fld id="{B61BEF0D-F0BB-DE4B-95CE-6DB70DBA9567}" type="datetimeFigureOut">
               <a:rPr lang="en-US" dirty="0"/>
               <a:pPr/>
-              <a:t>3/22/2017</a:t>
+              <a:t>3/24/2017</a:t>
             </a:fld>
             <a:endParaRPr lang="en-US" dirty="0"/>
           </a:p>
@@ -1431,7 +1436,7 @@
             <a:fld id="{B61BEF0D-F0BB-DE4B-95CE-6DB70DBA9567}" type="datetimeFigureOut">
               <a:rPr lang="en-US" dirty="0"/>
               <a:pPr/>
-              <a:t>3/22/2017</a:t>
+              <a:t>3/24/2017</a:t>
             </a:fld>
             <a:endParaRPr lang="en-US" dirty="0"/>
           </a:p>
@@ -1761,7 +1766,7 @@
             <a:fld id="{B61BEF0D-F0BB-DE4B-95CE-6DB70DBA9567}" type="datetimeFigureOut">
               <a:rPr lang="en-US" dirty="0"/>
               <a:pPr/>
-              <a:t>3/22/2017</a:t>
+              <a:t>3/24/2017</a:t>
             </a:fld>
             <a:endParaRPr lang="en-US" dirty="0"/>
           </a:p>
@@ -2072,7 +2077,7 @@
             <a:fld id="{B61BEF0D-F0BB-DE4B-95CE-6DB70DBA9567}" type="datetimeFigureOut">
               <a:rPr lang="en-US" dirty="0"/>
               <a:pPr/>
-              <a:t>3/22/2017</a:t>
+              <a:t>3/24/2017</a:t>
             </a:fld>
             <a:endParaRPr lang="en-US" dirty="0"/>
           </a:p>
@@ -2462,7 +2467,7 @@
             <a:fld id="{B61BEF0D-F0BB-DE4B-95CE-6DB70DBA9567}" type="datetimeFigureOut">
               <a:rPr lang="en-US" dirty="0"/>
               <a:pPr/>
-              <a:t>3/22/2017</a:t>
+              <a:t>3/24/2017</a:t>
             </a:fld>
             <a:endParaRPr lang="en-US" dirty="0"/>
           </a:p>
@@ -2628,7 +2633,7 @@
           <a:p>
             <a:fld id="{55C6B4A9-1611-4792-9094-5F34BCA07E0B}" type="datetimeFigureOut">
               <a:rPr lang="en-US" dirty="0"/>
-              <a:t>3/22/2017</a:t>
+              <a:t>3/24/2017</a:t>
             </a:fld>
             <a:endParaRPr lang="en-US" dirty="0"/>
           </a:p>
@@ -2804,7 +2809,7 @@
             <a:fld id="{B61BEF0D-F0BB-DE4B-95CE-6DB70DBA9567}" type="datetimeFigureOut">
               <a:rPr lang="en-US" dirty="0"/>
               <a:pPr/>
-              <a:t>3/22/2017</a:t>
+              <a:t>3/24/2017</a:t>
             </a:fld>
             <a:endParaRPr lang="en-US" dirty="0"/>
           </a:p>
@@ -2970,7 +2975,7 @@
           <a:p>
             <a:fld id="{42A54C80-263E-416B-A8E0-580EDEADCBDC}" type="datetimeFigureOut">
               <a:rPr lang="en-US" dirty="0"/>
-              <a:t>3/22/2017</a:t>
+              <a:t>3/24/2017</a:t>
             </a:fld>
             <a:endParaRPr lang="en-US" dirty="0"/>
           </a:p>
@@ -3213,7 +3218,7 @@
             <a:fld id="{B61BEF0D-F0BB-DE4B-95CE-6DB70DBA9567}" type="datetimeFigureOut">
               <a:rPr lang="en-US" dirty="0"/>
               <a:pPr/>
-              <a:t>3/22/2017</a:t>
+              <a:t>3/24/2017</a:t>
             </a:fld>
             <a:endParaRPr lang="en-US" dirty="0"/>
           </a:p>
@@ -3441,7 +3446,7 @@
           <a:p>
             <a:fld id="{42A54C80-263E-416B-A8E0-580EDEADCBDC}" type="datetimeFigureOut">
               <a:rPr lang="en-US" dirty="0"/>
-              <a:t>3/22/2017</a:t>
+              <a:t>3/24/2017</a:t>
             </a:fld>
             <a:endParaRPr lang="en-US" dirty="0"/>
           </a:p>
@@ -3811,7 +3816,7 @@
             <a:fld id="{B61BEF0D-F0BB-DE4B-95CE-6DB70DBA9567}" type="datetimeFigureOut">
               <a:rPr lang="en-US" dirty="0"/>
               <a:pPr/>
-              <a:t>3/22/2017</a:t>
+              <a:t>3/24/2017</a:t>
             </a:fld>
             <a:endParaRPr lang="en-US" dirty="0"/>
           </a:p>
@@ -3931,7 +3936,7 @@
             <a:fld id="{B61BEF0D-F0BB-DE4B-95CE-6DB70DBA9567}" type="datetimeFigureOut">
               <a:rPr lang="en-US" dirty="0"/>
               <a:pPr/>
-              <a:t>3/22/2017</a:t>
+              <a:t>3/24/2017</a:t>
             </a:fld>
             <a:endParaRPr lang="en-US" dirty="0"/>
           </a:p>
@@ -4023,7 +4028,7 @@
             <a:fld id="{B61BEF0D-F0BB-DE4B-95CE-6DB70DBA9567}" type="datetimeFigureOut">
               <a:rPr lang="en-US" dirty="0"/>
               <a:pPr/>
-              <a:t>3/22/2017</a:t>
+              <a:t>3/24/2017</a:t>
             </a:fld>
             <a:endParaRPr lang="en-US" dirty="0"/>
           </a:p>
@@ -4274,7 +4279,7 @@
           <a:p>
             <a:fld id="{42A54C80-263E-416B-A8E0-580EDEADCBDC}" type="datetimeFigureOut">
               <a:rPr lang="en-US" dirty="0"/>
-              <a:t>3/22/2017</a:t>
+              <a:t>3/24/2017</a:t>
             </a:fld>
             <a:endParaRPr lang="en-US" dirty="0"/>
           </a:p>
@@ -4576,7 +4581,7 @@
             <a:fld id="{B61BEF0D-F0BB-DE4B-95CE-6DB70DBA9567}" type="datetimeFigureOut">
               <a:rPr lang="en-US" dirty="0"/>
               <a:pPr/>
-              <a:t>3/22/2017</a:t>
+              <a:t>3/24/2017</a:t>
             </a:fld>
             <a:endParaRPr lang="en-US" dirty="0"/>
           </a:p>
@@ -5274,7 +5279,7 @@
             <a:fld id="{B61BEF0D-F0BB-DE4B-95CE-6DB70DBA9567}" type="datetimeFigureOut">
               <a:rPr lang="en-US" dirty="0"/>
               <a:pPr/>
-              <a:t>3/22/2017</a:t>
+              <a:t>3/24/2017</a:t>
             </a:fld>
             <a:endParaRPr lang="en-US" dirty="0"/>
           </a:p>
@@ -5856,17 +5861,7 @@
             </a:r>
             <a:r>
               <a:rPr lang="en-US" dirty="0"/>
-              <a:t> | </a:t>
-            </a:r>
-            <a:r>
-              <a:rPr lang="en-US" dirty="0">
-                <a:hlinkClick r:id="rId2"/>
-              </a:rPr>
-              <a:t>mike@rosacksoftwaresolutions.com</a:t>
-            </a:r>
-            <a:r>
-              <a:rPr lang="en-US" dirty="0"/>
-              <a:t> | @</a:t>
+              <a:t> | mike@rosacksoftwaresolutions.com | @</a:t>
             </a:r>
             <a:r>
               <a:rPr lang="en-US" dirty="0" err="1"/>
@@ -7090,7 +7085,37 @@
           <a:bodyPr/>
           <a:lstStyle/>
           <a:p>
-            <a:endParaRPr lang="en-US"/>
+            <a:pPr marL="0" indent="0" algn="ctr">
+              <a:buNone/>
+            </a:pPr>
+            <a:endParaRPr lang="en-US" dirty="0"/>
+          </a:p>
+          <a:p>
+            <a:pPr marL="0" indent="0" algn="ctr">
+              <a:buNone/>
+            </a:pPr>
+            <a:endParaRPr lang="en-US" dirty="0"/>
+          </a:p>
+          <a:p>
+            <a:pPr marL="0" indent="0" algn="ctr">
+              <a:buNone/>
+            </a:pPr>
+            <a:endParaRPr lang="en-US" dirty="0"/>
+          </a:p>
+          <a:p>
+            <a:pPr marL="0" indent="0" algn="ctr">
+              <a:buNone/>
+            </a:pPr>
+            <a:endParaRPr lang="en-US" dirty="0"/>
+          </a:p>
+          <a:p>
+            <a:pPr marL="0" indent="0" algn="ctr">
+              <a:buNone/>
+            </a:pPr>
+            <a:r>
+              <a:rPr lang="en-US" dirty="0"/>
+              <a:t>https://github.com/mrosack/tsoa-serverless-example</a:t>
+            </a:r>
           </a:p>
         </p:txBody>
       </p:sp>

--- a/serverless-computing/Serverless Computing.pptx
+++ b/serverless-computing/Serverless Computing.pptx
@@ -877,7 +877,7 @@
             <a:fld id="{B61BEF0D-F0BB-DE4B-95CE-6DB70DBA9567}" type="datetimeFigureOut">
               <a:rPr lang="en-US" dirty="0"/>
               <a:pPr/>
-              <a:t>3/24/2017</a:t>
+              <a:t>3/25/2017</a:t>
             </a:fld>
             <a:endParaRPr lang="en-US" dirty="0"/>
           </a:p>
@@ -1125,7 +1125,7 @@
             <a:fld id="{B61BEF0D-F0BB-DE4B-95CE-6DB70DBA9567}" type="datetimeFigureOut">
               <a:rPr lang="en-US" dirty="0"/>
               <a:pPr/>
-              <a:t>3/24/2017</a:t>
+              <a:t>3/25/2017</a:t>
             </a:fld>
             <a:endParaRPr lang="en-US" dirty="0"/>
           </a:p>
@@ -1436,7 +1436,7 @@
             <a:fld id="{B61BEF0D-F0BB-DE4B-95CE-6DB70DBA9567}" type="datetimeFigureOut">
               <a:rPr lang="en-US" dirty="0"/>
               <a:pPr/>
-              <a:t>3/24/2017</a:t>
+              <a:t>3/25/2017</a:t>
             </a:fld>
             <a:endParaRPr lang="en-US" dirty="0"/>
           </a:p>
@@ -1766,7 +1766,7 @@
             <a:fld id="{B61BEF0D-F0BB-DE4B-95CE-6DB70DBA9567}" type="datetimeFigureOut">
               <a:rPr lang="en-US" dirty="0"/>
               <a:pPr/>
-              <a:t>3/24/2017</a:t>
+              <a:t>3/25/2017</a:t>
             </a:fld>
             <a:endParaRPr lang="en-US" dirty="0"/>
           </a:p>
@@ -2077,7 +2077,7 @@
             <a:fld id="{B61BEF0D-F0BB-DE4B-95CE-6DB70DBA9567}" type="datetimeFigureOut">
               <a:rPr lang="en-US" dirty="0"/>
               <a:pPr/>
-              <a:t>3/24/2017</a:t>
+              <a:t>3/25/2017</a:t>
             </a:fld>
             <a:endParaRPr lang="en-US" dirty="0"/>
           </a:p>
@@ -2467,7 +2467,7 @@
             <a:fld id="{B61BEF0D-F0BB-DE4B-95CE-6DB70DBA9567}" type="datetimeFigureOut">
               <a:rPr lang="en-US" dirty="0"/>
               <a:pPr/>
-              <a:t>3/24/2017</a:t>
+              <a:t>3/25/2017</a:t>
             </a:fld>
             <a:endParaRPr lang="en-US" dirty="0"/>
           </a:p>
@@ -2633,7 +2633,7 @@
           <a:p>
             <a:fld id="{55C6B4A9-1611-4792-9094-5F34BCA07E0B}" type="datetimeFigureOut">
               <a:rPr lang="en-US" dirty="0"/>
-              <a:t>3/24/2017</a:t>
+              <a:t>3/25/2017</a:t>
             </a:fld>
             <a:endParaRPr lang="en-US" dirty="0"/>
           </a:p>
@@ -2809,7 +2809,7 @@
             <a:fld id="{B61BEF0D-F0BB-DE4B-95CE-6DB70DBA9567}" type="datetimeFigureOut">
               <a:rPr lang="en-US" dirty="0"/>
               <a:pPr/>
-              <a:t>3/24/2017</a:t>
+              <a:t>3/25/2017</a:t>
             </a:fld>
             <a:endParaRPr lang="en-US" dirty="0"/>
           </a:p>
@@ -2975,7 +2975,7 @@
           <a:p>
             <a:fld id="{42A54C80-263E-416B-A8E0-580EDEADCBDC}" type="datetimeFigureOut">
               <a:rPr lang="en-US" dirty="0"/>
-              <a:t>3/24/2017</a:t>
+              <a:t>3/25/2017</a:t>
             </a:fld>
             <a:endParaRPr lang="en-US" dirty="0"/>
           </a:p>
@@ -3218,7 +3218,7 @@
             <a:fld id="{B61BEF0D-F0BB-DE4B-95CE-6DB70DBA9567}" type="datetimeFigureOut">
               <a:rPr lang="en-US" dirty="0"/>
               <a:pPr/>
-              <a:t>3/24/2017</a:t>
+              <a:t>3/25/2017</a:t>
             </a:fld>
             <a:endParaRPr lang="en-US" dirty="0"/>
           </a:p>
@@ -3446,7 +3446,7 @@
           <a:p>
             <a:fld id="{42A54C80-263E-416B-A8E0-580EDEADCBDC}" type="datetimeFigureOut">
               <a:rPr lang="en-US" dirty="0"/>
-              <a:t>3/24/2017</a:t>
+              <a:t>3/25/2017</a:t>
             </a:fld>
             <a:endParaRPr lang="en-US" dirty="0"/>
           </a:p>
@@ -3816,7 +3816,7 @@
             <a:fld id="{B61BEF0D-F0BB-DE4B-95CE-6DB70DBA9567}" type="datetimeFigureOut">
               <a:rPr lang="en-US" dirty="0"/>
               <a:pPr/>
-              <a:t>3/24/2017</a:t>
+              <a:t>3/25/2017</a:t>
             </a:fld>
             <a:endParaRPr lang="en-US" dirty="0"/>
           </a:p>
@@ -3936,7 +3936,7 @@
             <a:fld id="{B61BEF0D-F0BB-DE4B-95CE-6DB70DBA9567}" type="datetimeFigureOut">
               <a:rPr lang="en-US" dirty="0"/>
               <a:pPr/>
-              <a:t>3/24/2017</a:t>
+              <a:t>3/25/2017</a:t>
             </a:fld>
             <a:endParaRPr lang="en-US" dirty="0"/>
           </a:p>
@@ -4028,7 +4028,7 @@
             <a:fld id="{B61BEF0D-F0BB-DE4B-95CE-6DB70DBA9567}" type="datetimeFigureOut">
               <a:rPr lang="en-US" dirty="0"/>
               <a:pPr/>
-              <a:t>3/24/2017</a:t>
+              <a:t>3/25/2017</a:t>
             </a:fld>
             <a:endParaRPr lang="en-US" dirty="0"/>
           </a:p>
@@ -4279,7 +4279,7 @@
           <a:p>
             <a:fld id="{42A54C80-263E-416B-A8E0-580EDEADCBDC}" type="datetimeFigureOut">
               <a:rPr lang="en-US" dirty="0"/>
-              <a:t>3/24/2017</a:t>
+              <a:t>3/25/2017</a:t>
             </a:fld>
             <a:endParaRPr lang="en-US" dirty="0"/>
           </a:p>
@@ -4581,7 +4581,7 @@
             <a:fld id="{B61BEF0D-F0BB-DE4B-95CE-6DB70DBA9567}" type="datetimeFigureOut">
               <a:rPr lang="en-US" dirty="0"/>
               <a:pPr/>
-              <a:t>3/24/2017</a:t>
+              <a:t>3/25/2017</a:t>
             </a:fld>
             <a:endParaRPr lang="en-US" dirty="0"/>
           </a:p>
@@ -5279,7 +5279,7 @@
             <a:fld id="{B61BEF0D-F0BB-DE4B-95CE-6DB70DBA9567}" type="datetimeFigureOut">
               <a:rPr lang="en-US" dirty="0"/>
               <a:pPr/>
-              <a:t>3/24/2017</a:t>
+              <a:t>3/25/2017</a:t>
             </a:fld>
             <a:endParaRPr lang="en-US" dirty="0"/>
           </a:p>
@@ -5835,10 +5835,15 @@
             <p:ph type="subTitle" idx="1"/>
           </p:nvPr>
         </p:nvSpPr>
-        <p:spPr/>
+        <p:spPr>
+          <a:xfrm>
+            <a:off x="1507067" y="4050833"/>
+            <a:ext cx="7766936" cy="2038817"/>
+          </a:xfrm>
+        </p:spPr>
         <p:txBody>
           <a:bodyPr>
-            <a:normAutofit lnSpcReduction="10000"/>
+            <a:normAutofit/>
           </a:bodyPr>
           <a:lstStyle/>
           <a:p>
@@ -5868,6 +5873,12 @@
               <a:t>mike_rosack</a:t>
             </a:r>
             <a:endParaRPr lang="en-US" dirty="0"/>
+          </a:p>
+          <a:p>
+            <a:r>
+              <a:rPr lang="en-US" dirty="0"/>
+              <a:t>github.com/mrosack/presentations</a:t>
+            </a:r>
           </a:p>
         </p:txBody>
       </p:sp>
@@ -6798,7 +6809,15 @@
           <a:p>
             <a:r>
               <a:rPr lang="en-US" dirty="0"/>
-              <a:t>Microservices (one function per operation – GET, POST, DELETE, </a:t>
+              <a:t>Microservices (or </a:t>
+            </a:r>
+            <a:r>
+              <a:rPr lang="en-US" dirty="0" err="1"/>
+              <a:t>Nanoservices</a:t>
+            </a:r>
+            <a:r>
+              <a:rPr lang="en-US" dirty="0"/>
+              <a:t>? one function per operation – GET, POST, DELETE, </a:t>
             </a:r>
             <a:r>
               <a:rPr lang="en-US" dirty="0" err="1"/>
@@ -7198,26 +7217,40 @@
           </a:p>
           <a:p>
             <a:r>
+              <a:rPr lang="en-US" dirty="0"/>
+              <a:t>High level demos of AWS Lambda and the </a:t>
+            </a:r>
+            <a:r>
               <a:rPr lang="en-US" dirty="0" err="1"/>
               <a:t>Serverless</a:t>
             </a:r>
             <a:r>
               <a:rPr lang="en-US" dirty="0"/>
-              <a:t> Pros &amp; Cons</a:t>
-            </a:r>
-          </a:p>
-          <a:p>
-            <a:r>
-              <a:rPr lang="en-US" dirty="0"/>
-              <a:t>High level demos of AWS Lambda and the </a:t>
-            </a:r>
+              <a:t> Framework as an API backend</a:t>
+            </a:r>
+          </a:p>
+          <a:p>
             <a:r>
               <a:rPr lang="en-US" dirty="0" err="1"/>
               <a:t>Serverless</a:t>
             </a:r>
             <a:r>
               <a:rPr lang="en-US" dirty="0"/>
-              <a:t> Framework as an API backend</a:t>
+              <a:t> Pros &amp; Cons</a:t>
+            </a:r>
+          </a:p>
+          <a:p>
+            <a:r>
+              <a:rPr lang="en-US" dirty="0"/>
+              <a:t>Discussion on </a:t>
+            </a:r>
+            <a:r>
+              <a:rPr lang="en-US" dirty="0" err="1"/>
+              <a:t>Serverless</a:t>
+            </a:r>
+            <a:r>
+              <a:rPr lang="en-US" dirty="0"/>
+              <a:t> Architectures</a:t>
             </a:r>
           </a:p>
         </p:txBody>
@@ -7329,20 +7362,34 @@
             </a:pPr>
             <a:r>
               <a:rPr lang="en-US" dirty="0"/>
-              <a:t>mike@rosacksoftwaresolutions.com</a:t>
-            </a:r>
-          </a:p>
-          <a:p>
-            <a:pPr marL="0" indent="0" algn="ctr">
-              <a:buNone/>
-            </a:pPr>
-            <a:r>
-              <a:rPr lang="en-US" dirty="0"/>
               <a:t>@</a:t>
             </a:r>
             <a:r>
               <a:rPr lang="en-US" dirty="0" err="1"/>
               <a:t>mike_rosack</a:t>
+            </a:r>
+            <a:endParaRPr lang="en-US" dirty="0"/>
+          </a:p>
+          <a:p>
+            <a:pPr marL="0" indent="0" algn="ctr">
+              <a:buNone/>
+            </a:pPr>
+            <a:r>
+              <a:rPr lang="en-US" dirty="0"/>
+              <a:t>mike@rosacksoftwaresolutions.com</a:t>
+            </a:r>
+          </a:p>
+          <a:p>
+            <a:pPr marL="0" indent="0" algn="ctr">
+              <a:buNone/>
+            </a:pPr>
+            <a:r>
+              <a:rPr lang="en-US" dirty="0"/>
+              <a:t>github.com/mrosack</a:t>
+            </a:r>
+            <a:r>
+              <a:rPr lang="en-US"/>
+              <a:t>/presentations</a:t>
             </a:r>
             <a:endParaRPr lang="en-US" dirty="0"/>
           </a:p>
